--- a/WGE 简介.pptx
+++ b/WGE 简介.pptx
@@ -3165,6 +3165,36 @@
           </a:p>
         </p:txBody>
       </p:sp>
+      <p:sp>
+        <p:nvSpPr>
+          <p:cNvPr id="4" name="TextBox 3"/>
+          <p:cNvSpPr txBox="1"/>
+          <p:nvPr/>
+        </p:nvSpPr>
+        <p:spPr>
+          <a:xfrm>
+            <a:off x="6156176" y="5332566"/>
+            <a:ext cx="1144865" cy="369332"/>
+          </a:xfrm>
+          <a:prstGeom prst="rect">
+            <a:avLst/>
+          </a:prstGeom>
+          <a:noFill/>
+        </p:spPr>
+        <p:txBody>
+          <a:bodyPr wrap="none" rtlCol="0">
+            <a:spAutoFit/>
+          </a:bodyPr>
+          <a:lstStyle/>
+          <a:p>
+            <a:r>
+              <a:rPr lang="en-US" altLang="zh-CN" dirty="0" smtClean="0"/>
+              <a:t>2014-8-20</a:t>
+            </a:r>
+            <a:endParaRPr lang="zh-CN" altLang="en-US" dirty="0"/>
+          </a:p>
+        </p:txBody>
+      </p:sp>
     </p:spTree>
     <p:extLst>
       <p:ext uri="{BB962C8B-B14F-4D97-AF65-F5344CB8AC3E}">
@@ -5378,11 +5408,7 @@
             </a:r>
             <a:r>
               <a:rPr lang="zh-CN" altLang="en-US" sz="2400" dirty="0" smtClean="0"/>
-              <a:t>肯定会随着支持的增加而最终流行起来</a:t>
-            </a:r>
-            <a:r>
-              <a:rPr lang="zh-CN" altLang="en-US" sz="2400" dirty="0" smtClean="0"/>
-              <a:t>。</a:t>
+              <a:t>肯定会随着支持的增加而最终流行起来。</a:t>
             </a:r>
             <a:endParaRPr lang="en-US" altLang="zh-CN" sz="2400" dirty="0" smtClean="0"/>
           </a:p>
@@ -5396,11 +5422,7 @@
             </a:r>
             <a:r>
               <a:rPr lang="zh-CN" altLang="en-US" sz="2400" dirty="0" smtClean="0"/>
-              <a:t>为长远计划。有无穷的想象空间</a:t>
-            </a:r>
-            <a:r>
-              <a:rPr lang="zh-CN" altLang="en-US" sz="2400" dirty="0" smtClean="0"/>
-              <a:t>。</a:t>
+              <a:t>为长远计划。有无穷的想象空间。</a:t>
             </a:r>
             <a:endParaRPr lang="en-US" altLang="zh-CN" sz="2400" dirty="0" smtClean="0"/>
           </a:p>
@@ -5458,11 +5480,7 @@
             </a:r>
             <a:r>
               <a:rPr lang="zh-CN" altLang="en-US" sz="2400" dirty="0" smtClean="0"/>
-              <a:t>场景漫游控制</a:t>
-            </a:r>
-            <a:r>
-              <a:rPr lang="zh-CN" altLang="en-US" sz="2400" dirty="0" smtClean="0"/>
-              <a:t>。</a:t>
+              <a:t>场景漫游控制。</a:t>
             </a:r>
             <a:endParaRPr lang="en-US" altLang="zh-CN" sz="2400" dirty="0" smtClean="0"/>
           </a:p>
